--- a/Permissions explainer.pptx
+++ b/Permissions explainer.pptx
@@ -120,7 +120,7 @@
 <file path=ppt/revisionInfo.xml><?xml version="1.0" encoding="utf-8"?>
 <p1510:revInfo xmlns:a="http://schemas.openxmlformats.org/drawingml/2006/main" xmlns:r="http://schemas.openxmlformats.org/officeDocument/2006/relationships" xmlns:p1510="http://schemas.microsoft.com/office/powerpoint/2015/10/main">
   <p1510:revLst>
-    <p1510:client id="{71C0BE2A-0D63-4077-A959-85E88C33D3A4}" v="110" dt="2021-03-04T10:46:18.202"/>
+    <p1510:client id="{71C0BE2A-0D63-4077-A959-85E88C33D3A4}" v="111" dt="2021-03-04T11:32:50.454"/>
   </p1510:revLst>
 </p1510:revInfo>
 </file>
@@ -130,12 +130,50 @@
   <pc:docChgLst>
     <pc:chgData name="Andrew Jolly | E²" userId="866cd4ed-e82f-4643-a1d8-52832a9ec554" providerId="ADAL" clId="{71C0BE2A-0D63-4077-A959-85E88C33D3A4}"/>
     <pc:docChg chg="undo custSel addSld modSld">
-      <pc:chgData name="Andrew Jolly | E²" userId="866cd4ed-e82f-4643-a1d8-52832a9ec554" providerId="ADAL" clId="{71C0BE2A-0D63-4077-A959-85E88C33D3A4}" dt="2021-03-04T10:55:16.019" v="4657" actId="20577"/>
+      <pc:chgData name="Andrew Jolly | E²" userId="866cd4ed-e82f-4643-a1d8-52832a9ec554" providerId="ADAL" clId="{71C0BE2A-0D63-4077-A959-85E88C33D3A4}" dt="2021-03-04T11:34:37.643" v="4704" actId="1076"/>
       <pc:docMkLst>
         <pc:docMk/>
       </pc:docMkLst>
+      <pc:sldChg chg="addSp modSp mod">
+        <pc:chgData name="Andrew Jolly | E²" userId="866cd4ed-e82f-4643-a1d8-52832a9ec554" providerId="ADAL" clId="{71C0BE2A-0D63-4077-A959-85E88C33D3A4}" dt="2021-03-04T11:34:37.643" v="4704" actId="1076"/>
+        <pc:sldMkLst>
+          <pc:docMk/>
+          <pc:sldMk cId="3580033595" sldId="256"/>
+        </pc:sldMkLst>
+        <pc:spChg chg="mod">
+          <ac:chgData name="Andrew Jolly | E²" userId="866cd4ed-e82f-4643-a1d8-52832a9ec554" providerId="ADAL" clId="{71C0BE2A-0D63-4077-A959-85E88C33D3A4}" dt="2021-03-04T11:34:37.643" v="4704" actId="1076"/>
+          <ac:spMkLst>
+            <pc:docMk/>
+            <pc:sldMk cId="3580033595" sldId="256"/>
+            <ac:spMk id="2" creationId="{27D6B46F-AB0D-4CE6-9216-29903A7C5D32}"/>
+          </ac:spMkLst>
+        </pc:spChg>
+        <pc:spChg chg="add mod">
+          <ac:chgData name="Andrew Jolly | E²" userId="866cd4ed-e82f-4643-a1d8-52832a9ec554" providerId="ADAL" clId="{71C0BE2A-0D63-4077-A959-85E88C33D3A4}" dt="2021-03-04T11:33:41.138" v="4685" actId="1076"/>
+          <ac:spMkLst>
+            <pc:docMk/>
+            <pc:sldMk cId="3580033595" sldId="256"/>
+            <ac:spMk id="3" creationId="{C2E3E42F-EF13-47F3-AFCC-BDC9CC6E623C}"/>
+          </ac:spMkLst>
+        </pc:spChg>
+      </pc:sldChg>
+      <pc:sldChg chg="addSp modSp mod">
+        <pc:chgData name="Andrew Jolly | E²" userId="866cd4ed-e82f-4643-a1d8-52832a9ec554" providerId="ADAL" clId="{71C0BE2A-0D63-4077-A959-85E88C33D3A4}" dt="2021-03-04T11:34:19.832" v="4703" actId="1076"/>
+        <pc:sldMkLst>
+          <pc:docMk/>
+          <pc:sldMk cId="3236841866" sldId="271"/>
+        </pc:sldMkLst>
+        <pc:spChg chg="add mod">
+          <ac:chgData name="Andrew Jolly | E²" userId="866cd4ed-e82f-4643-a1d8-52832a9ec554" providerId="ADAL" clId="{71C0BE2A-0D63-4077-A959-85E88C33D3A4}" dt="2021-03-04T11:34:19.832" v="4703" actId="1076"/>
+          <ac:spMkLst>
+            <pc:docMk/>
+            <pc:sldMk cId="3236841866" sldId="271"/>
+            <ac:spMk id="60" creationId="{7546E73F-7DEB-4099-9BA0-41A240EC11A9}"/>
+          </ac:spMkLst>
+        </pc:spChg>
+      </pc:sldChg>
       <pc:sldChg chg="addSp delSp modSp add mod modNotesTx">
-        <pc:chgData name="Andrew Jolly | E²" userId="866cd4ed-e82f-4643-a1d8-52832a9ec554" providerId="ADAL" clId="{71C0BE2A-0D63-4077-A959-85E88C33D3A4}" dt="2021-03-04T10:55:16.019" v="4657" actId="20577"/>
+        <pc:chgData name="Andrew Jolly | E²" userId="866cd4ed-e82f-4643-a1d8-52832a9ec554" providerId="ADAL" clId="{71C0BE2A-0D63-4077-A959-85E88C33D3A4}" dt="2021-03-04T11:34:08.034" v="4696" actId="1076"/>
         <pc:sldMkLst>
           <pc:docMk/>
           <pc:sldMk cId="1107365495" sldId="272"/>
@@ -628,6 +666,14 @@
             <ac:spMk id="94" creationId="{8AF341B9-4ADB-49FB-B203-B136605C0789}"/>
           </ac:spMkLst>
         </pc:spChg>
+        <pc:spChg chg="add mod">
+          <ac:chgData name="Andrew Jolly | E²" userId="866cd4ed-e82f-4643-a1d8-52832a9ec554" providerId="ADAL" clId="{71C0BE2A-0D63-4077-A959-85E88C33D3A4}" dt="2021-03-04T11:34:08.034" v="4696" actId="1076"/>
+          <ac:spMkLst>
+            <pc:docMk/>
+            <pc:sldMk cId="1107365495" sldId="272"/>
+            <ac:spMk id="95" creationId="{80CCCF13-ED0B-4B36-AF5E-AE6D68FB92F0}"/>
+          </ac:spMkLst>
+        </pc:spChg>
         <pc:spChg chg="add del mod ord">
           <ac:chgData name="Andrew Jolly | E²" userId="866cd4ed-e82f-4643-a1d8-52832a9ec554" providerId="ADAL" clId="{71C0BE2A-0D63-4077-A959-85E88C33D3A4}" dt="2021-03-04T00:34:06.428" v="58" actId="478"/>
           <ac:spMkLst>
@@ -1468,6 +1514,90 @@
           <a:bodyPr/>
           <a:lstStyle/>
           <a:p>
+            <a:endParaRPr lang="en-AU" dirty="0"/>
+          </a:p>
+        </p:txBody>
+      </p:sp>
+      <p:sp>
+        <p:nvSpPr>
+          <p:cNvPr id="4" name="Slide Number Placeholder 3"/>
+          <p:cNvSpPr>
+            <a:spLocks noGrp="1"/>
+          </p:cNvSpPr>
+          <p:nvPr>
+            <p:ph type="sldNum" sz="quarter" idx="5"/>
+          </p:nvPr>
+        </p:nvSpPr>
+        <p:spPr/>
+        <p:txBody>
+          <a:bodyPr/>
+          <a:lstStyle/>
+          <a:p>
+            <a:fld id="{20FC85F1-B153-473C-BF88-D445207DDD1A}" type="slidenum">
+              <a:rPr lang="en-AU" smtClean="0"/>
+              <a:t>1</a:t>
+            </a:fld>
+            <a:endParaRPr lang="en-AU"/>
+          </a:p>
+        </p:txBody>
+      </p:sp>
+    </p:spTree>
+    <p:extLst>
+      <p:ext uri="{BB962C8B-B14F-4D97-AF65-F5344CB8AC3E}">
+        <p14:creationId xmlns:p14="http://schemas.microsoft.com/office/powerpoint/2010/main" val="3423456091"/>
+      </p:ext>
+    </p:extLst>
+  </p:cSld>
+  <p:clrMapOvr>
+    <a:masterClrMapping/>
+  </p:clrMapOvr>
+</p:notes>
+</file>
+
+<file path=ppt/notesSlides/notesSlide2.xml><?xml version="1.0" encoding="utf-8"?>
+<p:notes xmlns:a="http://schemas.openxmlformats.org/drawingml/2006/main" xmlns:r="http://schemas.openxmlformats.org/officeDocument/2006/relationships" xmlns:p="http://schemas.openxmlformats.org/presentationml/2006/main">
+  <p:cSld>
+    <p:spTree>
+      <p:nvGrpSpPr>
+        <p:cNvPr id="1" name=""/>
+        <p:cNvGrpSpPr/>
+        <p:nvPr/>
+      </p:nvGrpSpPr>
+      <p:grpSpPr>
+        <a:xfrm>
+          <a:off x="0" y="0"/>
+          <a:ext cx="0" cy="0"/>
+          <a:chOff x="0" y="0"/>
+          <a:chExt cx="0" cy="0"/>
+        </a:xfrm>
+      </p:grpSpPr>
+      <p:sp>
+        <p:nvSpPr>
+          <p:cNvPr id="2" name="Slide Image Placeholder 1"/>
+          <p:cNvSpPr>
+            <a:spLocks noGrp="1" noRot="1" noChangeAspect="1"/>
+          </p:cNvSpPr>
+          <p:nvPr>
+            <p:ph type="sldImg"/>
+          </p:nvPr>
+        </p:nvSpPr>
+        <p:spPr/>
+      </p:sp>
+      <p:sp>
+        <p:nvSpPr>
+          <p:cNvPr id="3" name="Notes Placeholder 2"/>
+          <p:cNvSpPr>
+            <a:spLocks noGrp="1"/>
+          </p:cNvSpPr>
+          <p:nvPr>
+            <p:ph type="body" idx="1"/>
+          </p:nvPr>
+        </p:nvSpPr>
+        <p:spPr/>
+        <p:txBody>
+          <a:bodyPr/>
+          <a:lstStyle/>
+          <a:p>
             <a:r>
               <a:rPr lang="en-US" b="0" i="0" dirty="0">
                 <a:effectLst/>
@@ -1572,7 +1702,7 @@
 </p:notes>
 </file>
 
-<file path=ppt/notesSlides/notesSlide2.xml><?xml version="1.0" encoding="utf-8"?>
+<file path=ppt/notesSlides/notesSlide3.xml><?xml version="1.0" encoding="utf-8"?>
 <p:notes xmlns:a="http://schemas.openxmlformats.org/drawingml/2006/main" xmlns:r="http://schemas.openxmlformats.org/officeDocument/2006/relationships" xmlns:p="http://schemas.openxmlformats.org/presentationml/2006/main">
   <p:cSld>
     <p:spTree>
@@ -5140,7 +5270,7 @@
         </p:nvSpPr>
         <p:spPr>
           <a:xfrm>
-            <a:off x="1402814" y="1992695"/>
+            <a:off x="1523999" y="2235200"/>
             <a:ext cx="9144000" cy="2387600"/>
           </a:xfrm>
         </p:spPr>
@@ -5169,6 +5299,67 @@
                 <a:cs typeface="Segoe UI Semibold" panose="020B0702040204020203" pitchFamily="34" charset="0"/>
               </a:rPr>
               <a:t>Permissions explainer</a:t>
+            </a:r>
+            <a:endParaRPr lang="en-AU" dirty="0">
+              <a:latin typeface="Segoe UI Semibold" panose="020B0702040204020203" pitchFamily="34" charset="0"/>
+              <a:cs typeface="Segoe UI Semibold" panose="020B0702040204020203" pitchFamily="34" charset="0"/>
+            </a:endParaRPr>
+          </a:p>
+        </p:txBody>
+      </p:sp>
+      <p:sp>
+        <p:nvSpPr>
+          <p:cNvPr id="3" name="Title 1">
+            <a:extLst>
+              <a:ext uri="{FF2B5EF4-FFF2-40B4-BE49-F238E27FC236}">
+                <a16:creationId xmlns:a16="http://schemas.microsoft.com/office/drawing/2014/main" id="{C2E3E42F-EF13-47F3-AFCC-BDC9CC6E623C}"/>
+              </a:ext>
+            </a:extLst>
+          </p:cNvPr>
+          <p:cNvSpPr txBox="1">
+            <a:spLocks/>
+          </p:cNvSpPr>
+          <p:nvPr/>
+        </p:nvSpPr>
+        <p:spPr>
+          <a:xfrm>
+            <a:off x="4160678" y="6237962"/>
+            <a:ext cx="3870643" cy="338203"/>
+          </a:xfrm>
+          <a:prstGeom prst="rect">
+            <a:avLst/>
+          </a:prstGeom>
+        </p:spPr>
+        <p:txBody>
+          <a:bodyPr vert="horz" lIns="91440" tIns="45720" rIns="91440" bIns="45720" rtlCol="0" anchor="b">
+            <a:normAutofit fontScale="25000" lnSpcReduction="20000"/>
+          </a:bodyPr>
+          <a:lstStyle>
+            <a:lvl1pPr algn="ctr" defTabSz="914400" rtl="0" eaLnBrk="1" latinLnBrk="0" hangingPunct="1">
+              <a:lnSpc>
+                <a:spcPct val="90000"/>
+              </a:lnSpc>
+              <a:spcBef>
+                <a:spcPct val="0"/>
+              </a:spcBef>
+              <a:buNone/>
+              <a:defRPr sz="6000" kern="1200">
+                <a:solidFill>
+                  <a:schemeClr val="tx1"/>
+                </a:solidFill>
+                <a:latin typeface="+mj-lt"/>
+                <a:ea typeface="+mj-ea"/>
+                <a:cs typeface="+mj-cs"/>
+              </a:defRPr>
+            </a:lvl1pPr>
+          </a:lstStyle>
+          <a:p>
+            <a:r>
+              <a:rPr lang="en-US" dirty="0">
+                <a:latin typeface="Segoe UI Semibold" panose="020B0702040204020203" pitchFamily="34" charset="0"/>
+                <a:cs typeface="Segoe UI Semibold" panose="020B0702040204020203" pitchFamily="34" charset="0"/>
+              </a:rPr>
+              <a:t>https://www.linkedin.com/in/andrewjolly/</a:t>
             </a:r>
             <a:endParaRPr lang="en-AU" dirty="0">
               <a:latin typeface="Segoe UI Semibold" panose="020B0702040204020203" pitchFamily="34" charset="0"/>
@@ -8006,6 +8197,41 @@
             <a:r>
               <a:rPr lang="en-AU" sz="1200" dirty="0"/>
               <a:t>permissions</a:t>
+            </a:r>
+          </a:p>
+        </p:txBody>
+      </p:sp>
+      <p:sp>
+        <p:nvSpPr>
+          <p:cNvPr id="60" name="TextBox 59">
+            <a:extLst>
+              <a:ext uri="{FF2B5EF4-FFF2-40B4-BE49-F238E27FC236}">
+                <a16:creationId xmlns:a16="http://schemas.microsoft.com/office/drawing/2014/main" id="{7546E73F-7DEB-4099-9BA0-41A240EC11A9}"/>
+              </a:ext>
+            </a:extLst>
+          </p:cNvPr>
+          <p:cNvSpPr txBox="1"/>
+          <p:nvPr/>
+        </p:nvSpPr>
+        <p:spPr>
+          <a:xfrm>
+            <a:off x="9290077" y="6514924"/>
+            <a:ext cx="2962481" cy="276999"/>
+          </a:xfrm>
+          <a:prstGeom prst="rect">
+            <a:avLst/>
+          </a:prstGeom>
+          <a:noFill/>
+        </p:spPr>
+        <p:txBody>
+          <a:bodyPr wrap="square">
+            <a:spAutoFit/>
+          </a:bodyPr>
+          <a:lstStyle/>
+          <a:p>
+            <a:r>
+              <a:rPr lang="en-AU" sz="1200" dirty="0"/>
+              <a:t>https://www.linkedin.com/in/andrewjolly/</a:t>
             </a:r>
           </a:p>
         </p:txBody>
@@ -14415,6 +14641,41 @@
           </a:prstGeom>
         </p:spPr>
       </p:pic>
+      <p:sp>
+        <p:nvSpPr>
+          <p:cNvPr id="95" name="TextBox 94">
+            <a:extLst>
+              <a:ext uri="{FF2B5EF4-FFF2-40B4-BE49-F238E27FC236}">
+                <a16:creationId xmlns:a16="http://schemas.microsoft.com/office/drawing/2014/main" id="{80CCCF13-ED0B-4B36-AF5E-AE6D68FB92F0}"/>
+              </a:ext>
+            </a:extLst>
+          </p:cNvPr>
+          <p:cNvSpPr txBox="1"/>
+          <p:nvPr/>
+        </p:nvSpPr>
+        <p:spPr>
+          <a:xfrm>
+            <a:off x="7579388" y="6570052"/>
+            <a:ext cx="4108024" cy="276999"/>
+          </a:xfrm>
+          <a:prstGeom prst="rect">
+            <a:avLst/>
+          </a:prstGeom>
+          <a:noFill/>
+        </p:spPr>
+        <p:txBody>
+          <a:bodyPr wrap="square">
+            <a:spAutoFit/>
+          </a:bodyPr>
+          <a:lstStyle/>
+          <a:p>
+            <a:r>
+              <a:rPr lang="en-AU" sz="1200" dirty="0"/>
+              <a:t>https://www.linkedin.com/in/andrewjolly/</a:t>
+            </a:r>
+          </a:p>
+        </p:txBody>
+      </p:sp>
     </p:spTree>
     <p:extLst>
       <p:ext uri="{BB962C8B-B14F-4D97-AF65-F5344CB8AC3E}">
